--- a/presentacion/Agendados.pptx
+++ b/presentacion/Agendados.pptx
@@ -9,9 +9,9 @@
     <p:sldId id="257" r:id="rId3"/>
     <p:sldId id="261" r:id="rId4"/>
     <p:sldId id="263" r:id="rId5"/>
-    <p:sldId id="258" r:id="rId6"/>
-    <p:sldId id="259" r:id="rId7"/>
-    <p:sldId id="260" r:id="rId8"/>
+    <p:sldId id="264" r:id="rId6"/>
+    <p:sldId id="260" r:id="rId7"/>
+    <p:sldId id="259" r:id="rId8"/>
     <p:sldId id="262" r:id="rId9"/>
   </p:sldIdLst>
   <p:sldSz cx="12192000" cy="6858000"/>
@@ -111,6 +111,11 @@
       </a:defRPr>
     </a:lvl9pPr>
   </p:defaultTextStyle>
+  <p:extLst>
+    <p:ext uri="{EFAFB233-063F-42B5-8137-9DF3F51BA10A}">
+      <p15:sldGuideLst xmlns:p15="http://schemas.microsoft.com/office/powerpoint/2012/main"/>
+    </p:ext>
+  </p:extLst>
 </p:presentation>
 </file>
 
@@ -836,7 +841,7 @@
           <a:p>
             <a:fld id="{DF7915FD-CB15-468A-A937-895BBA11D09F}" type="datetimeFigureOut">
               <a:rPr lang="es-CO" smtClean="0"/>
-              <a:t>26/03/2025</a:t>
+              <a:t>29/03/2025</a:t>
             </a:fld>
             <a:endParaRPr lang="es-CO"/>
           </a:p>
@@ -878,7 +883,7 @@
           <a:p>
             <a:fld id="{D5778B1D-7479-48F2-A3D2-D4DDFB5AE135}" type="slidenum">
               <a:rPr lang="es-CO" smtClean="0"/>
-              <a:t>‹#›</a:t>
+              <a:t>‹Nº›</a:t>
             </a:fld>
             <a:endParaRPr lang="es-CO"/>
           </a:p>
@@ -1087,7 +1092,7 @@
           <a:p>
             <a:fld id="{DF7915FD-CB15-468A-A937-895BBA11D09F}" type="datetimeFigureOut">
               <a:rPr lang="es-CO" smtClean="0"/>
-              <a:t>26/03/2025</a:t>
+              <a:t>29/03/2025</a:t>
             </a:fld>
             <a:endParaRPr lang="es-CO"/>
           </a:p>
@@ -1129,7 +1134,7 @@
           <a:p>
             <a:fld id="{D5778B1D-7479-48F2-A3D2-D4DDFB5AE135}" type="slidenum">
               <a:rPr lang="es-CO" smtClean="0"/>
-              <a:t>‹#›</a:t>
+              <a:t>‹Nº›</a:t>
             </a:fld>
             <a:endParaRPr lang="es-CO"/>
           </a:p>
@@ -1401,7 +1406,7 @@
           <a:p>
             <a:fld id="{DF7915FD-CB15-468A-A937-895BBA11D09F}" type="datetimeFigureOut">
               <a:rPr lang="es-CO" smtClean="0"/>
-              <a:t>26/03/2025</a:t>
+              <a:t>29/03/2025</a:t>
             </a:fld>
             <a:endParaRPr lang="es-CO"/>
           </a:p>
@@ -1443,7 +1448,7 @@
           <a:p>
             <a:fld id="{D5778B1D-7479-48F2-A3D2-D4DDFB5AE135}" type="slidenum">
               <a:rPr lang="es-CO" smtClean="0"/>
-              <a:t>‹#›</a:t>
+              <a:t>‹Nº›</a:t>
             </a:fld>
             <a:endParaRPr lang="es-CO"/>
           </a:p>
@@ -1742,7 +1747,7 @@
           <a:p>
             <a:fld id="{DF7915FD-CB15-468A-A937-895BBA11D09F}" type="datetimeFigureOut">
               <a:rPr lang="es-CO" smtClean="0"/>
-              <a:t>26/03/2025</a:t>
+              <a:t>29/03/2025</a:t>
             </a:fld>
             <a:endParaRPr lang="es-CO"/>
           </a:p>
@@ -1784,7 +1789,7 @@
           <a:p>
             <a:fld id="{D5778B1D-7479-48F2-A3D2-D4DDFB5AE135}" type="slidenum">
               <a:rPr lang="es-CO" smtClean="0"/>
-              <a:t>‹#›</a:t>
+              <a:t>‹Nº›</a:t>
             </a:fld>
             <a:endParaRPr lang="es-CO"/>
           </a:p>
@@ -2056,7 +2061,7 @@
           <a:p>
             <a:fld id="{DF7915FD-CB15-468A-A937-895BBA11D09F}" type="datetimeFigureOut">
               <a:rPr lang="es-CO" smtClean="0"/>
-              <a:t>26/03/2025</a:t>
+              <a:t>29/03/2025</a:t>
             </a:fld>
             <a:endParaRPr lang="es-CO"/>
           </a:p>
@@ -2098,7 +2103,7 @@
           <a:p>
             <a:fld id="{D5778B1D-7479-48F2-A3D2-D4DDFB5AE135}" type="slidenum">
               <a:rPr lang="es-CO" smtClean="0"/>
-              <a:t>‹#›</a:t>
+              <a:t>‹Nº›</a:t>
             </a:fld>
             <a:endParaRPr lang="es-CO"/>
           </a:p>
@@ -2449,7 +2454,7 @@
           <a:p>
             <a:fld id="{DF7915FD-CB15-468A-A937-895BBA11D09F}" type="datetimeFigureOut">
               <a:rPr lang="es-CO" smtClean="0"/>
-              <a:t>26/03/2025</a:t>
+              <a:t>29/03/2025</a:t>
             </a:fld>
             <a:endParaRPr lang="es-CO"/>
           </a:p>
@@ -2491,7 +2496,7 @@
           <a:p>
             <a:fld id="{D5778B1D-7479-48F2-A3D2-D4DDFB5AE135}" type="slidenum">
               <a:rPr lang="es-CO" smtClean="0"/>
-              <a:t>‹#›</a:t>
+              <a:t>‹Nº›</a:t>
             </a:fld>
             <a:endParaRPr lang="es-CO"/>
           </a:p>
@@ -2619,7 +2624,7 @@
           <a:p>
             <a:fld id="{DF7915FD-CB15-468A-A937-895BBA11D09F}" type="datetimeFigureOut">
               <a:rPr lang="es-CO" smtClean="0"/>
-              <a:t>26/03/2025</a:t>
+              <a:t>29/03/2025</a:t>
             </a:fld>
             <a:endParaRPr lang="es-CO"/>
           </a:p>
@@ -2661,7 +2666,7 @@
           <a:p>
             <a:fld id="{D5778B1D-7479-48F2-A3D2-D4DDFB5AE135}" type="slidenum">
               <a:rPr lang="es-CO" smtClean="0"/>
-              <a:t>‹#›</a:t>
+              <a:t>‹Nº›</a:t>
             </a:fld>
             <a:endParaRPr lang="es-CO"/>
           </a:p>
@@ -2799,7 +2804,7 @@
           <a:p>
             <a:fld id="{DF7915FD-CB15-468A-A937-895BBA11D09F}" type="datetimeFigureOut">
               <a:rPr lang="es-CO" smtClean="0"/>
-              <a:t>26/03/2025</a:t>
+              <a:t>29/03/2025</a:t>
             </a:fld>
             <a:endParaRPr lang="es-CO"/>
           </a:p>
@@ -2841,7 +2846,7 @@
           <a:p>
             <a:fld id="{D5778B1D-7479-48F2-A3D2-D4DDFB5AE135}" type="slidenum">
               <a:rPr lang="es-CO" smtClean="0"/>
-              <a:t>‹#›</a:t>
+              <a:t>‹Nº›</a:t>
             </a:fld>
             <a:endParaRPr lang="es-CO"/>
           </a:p>
@@ -2975,7 +2980,7 @@
           <a:p>
             <a:fld id="{DF7915FD-CB15-468A-A937-895BBA11D09F}" type="datetimeFigureOut">
               <a:rPr lang="es-CO" smtClean="0"/>
-              <a:t>26/03/2025</a:t>
+              <a:t>29/03/2025</a:t>
             </a:fld>
             <a:endParaRPr lang="es-CO"/>
           </a:p>
@@ -3017,7 +3022,7 @@
           <a:p>
             <a:fld id="{D5778B1D-7479-48F2-A3D2-D4DDFB5AE135}" type="slidenum">
               <a:rPr lang="es-CO" smtClean="0"/>
-              <a:t>‹#›</a:t>
+              <a:t>‹Nº›</a:t>
             </a:fld>
             <a:endParaRPr lang="es-CO"/>
           </a:p>
@@ -3222,7 +3227,7 @@
           <a:p>
             <a:fld id="{DF7915FD-CB15-468A-A937-895BBA11D09F}" type="datetimeFigureOut">
               <a:rPr lang="es-CO" smtClean="0"/>
-              <a:t>26/03/2025</a:t>
+              <a:t>29/03/2025</a:t>
             </a:fld>
             <a:endParaRPr lang="es-CO"/>
           </a:p>
@@ -3264,7 +3269,7 @@
           <a:p>
             <a:fld id="{D5778B1D-7479-48F2-A3D2-D4DDFB5AE135}" type="slidenum">
               <a:rPr lang="es-CO" smtClean="0"/>
-              <a:t>‹#›</a:t>
+              <a:t>‹Nº›</a:t>
             </a:fld>
             <a:endParaRPr lang="es-CO"/>
           </a:p>
@@ -3454,7 +3459,7 @@
           <a:p>
             <a:fld id="{DF7915FD-CB15-468A-A937-895BBA11D09F}" type="datetimeFigureOut">
               <a:rPr lang="es-CO" smtClean="0"/>
-              <a:t>26/03/2025</a:t>
+              <a:t>29/03/2025</a:t>
             </a:fld>
             <a:endParaRPr lang="es-CO"/>
           </a:p>
@@ -3496,7 +3501,7 @@
           <a:p>
             <a:fld id="{D5778B1D-7479-48F2-A3D2-D4DDFB5AE135}" type="slidenum">
               <a:rPr lang="es-CO" smtClean="0"/>
-              <a:t>‹#›</a:t>
+              <a:t>‹Nº›</a:t>
             </a:fld>
             <a:endParaRPr lang="es-CO"/>
           </a:p>
@@ -3828,7 +3833,7 @@
           <a:p>
             <a:fld id="{DF7915FD-CB15-468A-A937-895BBA11D09F}" type="datetimeFigureOut">
               <a:rPr lang="es-CO" smtClean="0"/>
-              <a:t>26/03/2025</a:t>
+              <a:t>29/03/2025</a:t>
             </a:fld>
             <a:endParaRPr lang="es-CO"/>
           </a:p>
@@ -3870,7 +3875,7 @@
           <a:p>
             <a:fld id="{D5778B1D-7479-48F2-A3D2-D4DDFB5AE135}" type="slidenum">
               <a:rPr lang="es-CO" smtClean="0"/>
-              <a:t>‹#›</a:t>
+              <a:t>‹Nº›</a:t>
             </a:fld>
             <a:endParaRPr lang="es-CO"/>
           </a:p>
@@ -3951,7 +3956,7 @@
           <a:p>
             <a:fld id="{DF7915FD-CB15-468A-A937-895BBA11D09F}" type="datetimeFigureOut">
               <a:rPr lang="es-CO" smtClean="0"/>
-              <a:t>26/03/2025</a:t>
+              <a:t>29/03/2025</a:t>
             </a:fld>
             <a:endParaRPr lang="es-CO"/>
           </a:p>
@@ -3993,7 +3998,7 @@
           <a:p>
             <a:fld id="{D5778B1D-7479-48F2-A3D2-D4DDFB5AE135}" type="slidenum">
               <a:rPr lang="es-CO" smtClean="0"/>
-              <a:t>‹#›</a:t>
+              <a:t>‹Nº›</a:t>
             </a:fld>
             <a:endParaRPr lang="es-CO"/>
           </a:p>
@@ -4046,7 +4051,7 @@
           <a:p>
             <a:fld id="{DF7915FD-CB15-468A-A937-895BBA11D09F}" type="datetimeFigureOut">
               <a:rPr lang="es-CO" smtClean="0"/>
-              <a:t>26/03/2025</a:t>
+              <a:t>29/03/2025</a:t>
             </a:fld>
             <a:endParaRPr lang="es-CO"/>
           </a:p>
@@ -4088,7 +4093,7 @@
           <a:p>
             <a:fld id="{D5778B1D-7479-48F2-A3D2-D4DDFB5AE135}" type="slidenum">
               <a:rPr lang="es-CO" smtClean="0"/>
-              <a:t>‹#›</a:t>
+              <a:t>‹Nº›</a:t>
             </a:fld>
             <a:endParaRPr lang="es-CO"/>
           </a:p>
@@ -4301,7 +4306,7 @@
           <a:p>
             <a:fld id="{DF7915FD-CB15-468A-A937-895BBA11D09F}" type="datetimeFigureOut">
               <a:rPr lang="es-CO" smtClean="0"/>
-              <a:t>26/03/2025</a:t>
+              <a:t>29/03/2025</a:t>
             </a:fld>
             <a:endParaRPr lang="es-CO"/>
           </a:p>
@@ -4343,7 +4348,7 @@
           <a:p>
             <a:fld id="{D5778B1D-7479-48F2-A3D2-D4DDFB5AE135}" type="slidenum">
               <a:rPr lang="es-CO" smtClean="0"/>
-              <a:t>‹#›</a:t>
+              <a:t>‹Nº›</a:t>
             </a:fld>
             <a:endParaRPr lang="es-CO"/>
           </a:p>
@@ -4564,7 +4569,7 @@
           <a:p>
             <a:fld id="{DF7915FD-CB15-468A-A937-895BBA11D09F}" type="datetimeFigureOut">
               <a:rPr lang="es-CO" smtClean="0"/>
-              <a:t>26/03/2025</a:t>
+              <a:t>29/03/2025</a:t>
             </a:fld>
             <a:endParaRPr lang="es-CO"/>
           </a:p>
@@ -4606,7 +4611,7 @@
           <a:p>
             <a:fld id="{D5778B1D-7479-48F2-A3D2-D4DDFB5AE135}" type="slidenum">
               <a:rPr lang="es-CO" smtClean="0"/>
-              <a:t>‹#›</a:t>
+              <a:t>‹Nº›</a:t>
             </a:fld>
             <a:endParaRPr lang="es-CO"/>
           </a:p>
@@ -5307,7 +5312,7 @@
           <a:p>
             <a:fld id="{DF7915FD-CB15-468A-A937-895BBA11D09F}" type="datetimeFigureOut">
               <a:rPr lang="es-CO" smtClean="0"/>
-              <a:t>26/03/2025</a:t>
+              <a:t>29/03/2025</a:t>
             </a:fld>
             <a:endParaRPr lang="es-CO"/>
           </a:p>
@@ -5383,7 +5388,7 @@
           <a:p>
             <a:fld id="{D5778B1D-7479-48F2-A3D2-D4DDFB5AE135}" type="slidenum">
               <a:rPr lang="es-CO" smtClean="0"/>
-              <a:t>‹#›</a:t>
+              <a:t>‹Nº›</a:t>
             </a:fld>
             <a:endParaRPr lang="es-CO"/>
           </a:p>
@@ -5967,7 +5972,7 @@
             </a:br>
             <a:r>
               <a:rPr lang="es-ES" dirty="0"/>
-              <a:t>26/03/2025</a:t>
+              <a:t>29/03/2025</a:t>
             </a:r>
             <a:endParaRPr lang="es-CO" dirty="0"/>
           </a:p>
@@ -6952,21 +6957,7 @@
             </a:pPr>
             <a:r>
               <a:rPr lang="es-ES" dirty="0"/>
-              <a:t>Generación automática de horarios considerando las restricciones planteadas (no se podrá modificar manualmente) pero se podrán generar varias veces si algún resultado no convence. Si llegado al caso al algoritmo de generación le es imposible generar un horario(debido a que no hay espacio suficiente para ubicarlos) se le expresaran al usuario </a:t>
-            </a:r>
-            <a:r>
-              <a:rPr lang="es-ES"/>
-              <a:t>posibles soluciones.</a:t>
-            </a:r>
-            <a:endParaRPr lang="es-ES" dirty="0"/>
-          </a:p>
-          <a:p>
-            <a:pPr marL="0" indent="0">
-              <a:buNone/>
-            </a:pPr>
-            <a:r>
-              <a:rPr lang="es-ES" dirty="0"/>
-              <a:t>Interfaz fácil de usar</a:t>
+              <a:t>Generación automática de horarios considerando las restricciones planteadas (no se podrá modificar manualmente) pero se podrán generar varias veces si algún resultado no convence. Si llegado al caso al algoritmo de generación le es imposible generar un horario(debido a que no hay espacio suficiente para ubicarlos) se le expresaran al usuario posibles soluciones.</a:t>
             </a:r>
             <a:endParaRPr lang="es-CO" dirty="0"/>
           </a:p>
@@ -6988,14 +6979,6 @@
 <file path=ppt/slides/slide5.xml><?xml version="1.0" encoding="utf-8"?>
 <p:sld xmlns:a="http://schemas.openxmlformats.org/drawingml/2006/main" xmlns:r="http://schemas.openxmlformats.org/officeDocument/2006/relationships" xmlns:p="http://schemas.openxmlformats.org/presentationml/2006/main">
   <p:cSld>
-    <p:bg>
-      <p:bgPr>
-        <a:solidFill>
-          <a:schemeClr val="bg2"/>
-        </a:solidFill>
-        <a:effectLst/>
-      </p:bgPr>
-    </p:bg>
     <p:spTree>
       <p:nvGrpSpPr>
         <p:cNvPr id="1" name=""/>
@@ -7012,10 +6995,10 @@
       </p:grpSpPr>
       <p:sp>
         <p:nvSpPr>
-          <p:cNvPr id="2" name="Title 1">
+          <p:cNvPr id="2" name="Título 1">
             <a:extLst>
               <a:ext uri="{FF2B5EF4-FFF2-40B4-BE49-F238E27FC236}">
-                <a16:creationId xmlns:a16="http://schemas.microsoft.com/office/drawing/2014/main" id="{A565B251-F6B0-7D74-259B-7C741185F781}"/>
+                <a16:creationId xmlns:a16="http://schemas.microsoft.com/office/drawing/2014/main" id="{A8C62D33-28C6-0CC1-B7B8-D724E069BE25}"/>
               </a:ext>
             </a:extLst>
           </p:cNvPr>
@@ -7026,46 +7009,24 @@
             <p:ph type="title"/>
           </p:nvPr>
         </p:nvSpPr>
-        <p:spPr>
-          <a:xfrm>
-            <a:off x="677334" y="609600"/>
-            <a:ext cx="3843375" cy="5175624"/>
-          </a:xfrm>
-        </p:spPr>
-        <p:txBody>
-          <a:bodyPr anchor="ctr">
-            <a:normAutofit/>
-          </a:bodyPr>
-          <a:lstStyle/>
-          <a:p>
-            <a:r>
-              <a:rPr lang="es-ES" dirty="0">
-                <a:solidFill>
-                  <a:schemeClr val="tx1">
-                    <a:lumMod val="85000"/>
-                    <a:lumOff val="15000"/>
-                  </a:schemeClr>
-                </a:solidFill>
-              </a:rPr>
-              <a:t>¿Que tecnologías se usaran?</a:t>
-            </a:r>
-            <a:endParaRPr lang="es-CO" dirty="0">
-              <a:solidFill>
-                <a:schemeClr val="tx1">
-                  <a:lumMod val="85000"/>
-                  <a:lumOff val="15000"/>
-                </a:schemeClr>
-              </a:solidFill>
-            </a:endParaRPr>
-          </a:p>
-        </p:txBody>
-      </p:sp>
-      <p:sp>
-        <p:nvSpPr>
-          <p:cNvPr id="3" name="Content Placeholder 2">
+        <p:spPr/>
+        <p:txBody>
+          <a:bodyPr/>
+          <a:lstStyle/>
+          <a:p>
+            <a:r>
+              <a:rPr lang="es-ES" dirty="0"/>
+              <a:t>Requerimientos del sistema</a:t>
+            </a:r>
+          </a:p>
+        </p:txBody>
+      </p:sp>
+      <p:sp>
+        <p:nvSpPr>
+          <p:cNvPr id="3" name="Marcador de contenido 2">
             <a:extLst>
               <a:ext uri="{FF2B5EF4-FFF2-40B4-BE49-F238E27FC236}">
-                <a16:creationId xmlns:a16="http://schemas.microsoft.com/office/drawing/2014/main" id="{1C62F8BF-9646-1557-81CE-77E84ED9A5C5}"/>
+                <a16:creationId xmlns:a16="http://schemas.microsoft.com/office/drawing/2014/main" id="{8F9DB657-13A7-2ED7-82C3-744BE48EFAE9}"/>
               </a:ext>
             </a:extLst>
           </p:cNvPr>
@@ -7076,87 +7037,76 @@
             <p:ph idx="1"/>
           </p:nvPr>
         </p:nvSpPr>
-        <p:spPr>
-          <a:xfrm>
-            <a:off x="4886326" y="609601"/>
-            <a:ext cx="3962400" cy="5175624"/>
-          </a:xfrm>
-        </p:spPr>
-        <p:txBody>
-          <a:bodyPr anchor="ctr">
-            <a:normAutofit/>
-          </a:bodyPr>
-          <a:lstStyle/>
-          <a:p>
-            <a:pPr marL="0" indent="0">
+        <p:spPr/>
+        <p:txBody>
+          <a:bodyPr/>
+          <a:lstStyle/>
+          <a:p>
+            <a:pPr>
               <a:buNone/>
             </a:pPr>
             <a:r>
-              <a:rPr lang="es-ES" dirty="0">
-                <a:solidFill>
-                  <a:srgbClr val="FFFFFF"/>
-                </a:solidFill>
-              </a:rPr>
-              <a:t>IDE JAVA(NETBEANS):  Desarrollo de la </a:t>
-            </a:r>
-            <a:r>
-              <a:rPr lang="es-ES" dirty="0" err="1">
-                <a:solidFill>
-                  <a:srgbClr val="FFFFFF"/>
-                </a:solidFill>
-              </a:rPr>
-              <a:t>aplicacion</a:t>
-            </a:r>
-            <a:endParaRPr lang="es-ES" dirty="0">
-              <a:solidFill>
-                <a:srgbClr val="FFFFFF"/>
-              </a:solidFill>
-            </a:endParaRPr>
-          </a:p>
-          <a:p>
-            <a:pPr marL="0" indent="0">
-              <a:buNone/>
+              <a:rPr lang="es-ES" b="1" dirty="0"/>
+              <a:t>Funcionales</a:t>
+            </a:r>
+          </a:p>
+          <a:p>
+            <a:pPr>
+              <a:buFont typeface="Arial" panose="020B0604020202020204" pitchFamily="34" charset="0"/>
+              <a:buChar char="•"/>
             </a:pPr>
-            <a:endParaRPr lang="es-ES" dirty="0">
-              <a:solidFill>
-                <a:srgbClr val="FFFFFF"/>
-              </a:solidFill>
-            </a:endParaRPr>
-          </a:p>
-          <a:p>
-            <a:pPr marL="0" indent="0">
-              <a:buNone/>
+            <a:r>
+              <a:rPr lang="es-ES" dirty="0"/>
+              <a:t>Registrar y administrar estudiantes, profesores, aulas y materias.</a:t>
+            </a:r>
+          </a:p>
+          <a:p>
+            <a:pPr>
+              <a:buFont typeface="Arial" panose="020B0604020202020204" pitchFamily="34" charset="0"/>
+              <a:buChar char="•"/>
             </a:pPr>
             <a:r>
-              <a:rPr lang="es-ES" dirty="0">
-                <a:solidFill>
-                  <a:srgbClr val="FFFFFF"/>
-                </a:solidFill>
-              </a:rPr>
-              <a:t>MYSQL: para almacenar la información</a:t>
-            </a:r>
-          </a:p>
-          <a:p>
-            <a:pPr marL="0" indent="0">
-              <a:buNone/>
+              <a:rPr lang="es-ES" dirty="0"/>
+              <a:t>Generar horarios basados en restricciones y disponibilidad. </a:t>
+            </a:r>
+          </a:p>
+          <a:p>
+            <a:pPr>
+              <a:buFont typeface="Arial" panose="020B0604020202020204" pitchFamily="34" charset="0"/>
+              <a:buChar char="•"/>
             </a:pPr>
-            <a:endParaRPr lang="es-ES" dirty="0">
-              <a:solidFill>
-                <a:srgbClr val="FFFFFF"/>
-              </a:solidFill>
-            </a:endParaRPr>
-          </a:p>
-          <a:p>
-            <a:pPr marL="0" indent="0">
+            <a:r>
+              <a:rPr lang="es-ES" dirty="0"/>
+              <a:t>Visualizar horarios por usuario(profesor/estudiante) y exportarlos.</a:t>
+            </a:r>
+          </a:p>
+          <a:p>
+            <a:pPr>
               <a:buNone/>
             </a:pPr>
             <a:r>
-              <a:rPr lang="es-ES" dirty="0">
-                <a:solidFill>
-                  <a:srgbClr val="FFFFFF"/>
-                </a:solidFill>
-              </a:rPr>
-              <a:t>WORKBENCH: diseño del modelo de base de datos</a:t>
+              <a:rPr lang="es-ES" b="1" dirty="0"/>
+              <a:t>No funcionales</a:t>
+            </a:r>
+          </a:p>
+          <a:p>
+            <a:pPr>
+              <a:buFont typeface="Arial" panose="020B0604020202020204" pitchFamily="34" charset="0"/>
+              <a:buChar char="•"/>
+            </a:pPr>
+            <a:r>
+              <a:rPr lang="es-ES" dirty="0"/>
+              <a:t>Interfaz fácil de usar.</a:t>
+            </a:r>
+          </a:p>
+          <a:p>
+            <a:pPr>
+              <a:buFont typeface="Arial" panose="020B0604020202020204" pitchFamily="34" charset="0"/>
+              <a:buChar char="•"/>
+            </a:pPr>
+            <a:r>
+              <a:rPr lang="es-ES" dirty="0"/>
+              <a:t>Eficiencia en la generación de horarios.</a:t>
             </a:r>
           </a:p>
         </p:txBody>
@@ -7164,66 +7114,7 @@
     </p:spTree>
     <p:extLst>
       <p:ext uri="{BB962C8B-B14F-4D97-AF65-F5344CB8AC3E}">
-        <p14:creationId xmlns:p14="http://schemas.microsoft.com/office/powerpoint/2010/main" val="1810953436"/>
-      </p:ext>
-    </p:extLst>
-  </p:cSld>
-  <p:clrMapOvr>
-    <a:overrideClrMapping bg1="dk1" tx1="lt1" bg2="dk2" tx2="lt2" accent1="accent1" accent2="accent2" accent3="accent3" accent4="accent4" accent5="accent5" accent6="accent6" hlink="hlink" folHlink="folHlink"/>
-  </p:clrMapOvr>
-</p:sld>
-</file>
-
-<file path=ppt/slides/slide6.xml><?xml version="1.0" encoding="utf-8"?>
-<p:sld xmlns:a="http://schemas.openxmlformats.org/drawingml/2006/main" xmlns:r="http://schemas.openxmlformats.org/officeDocument/2006/relationships" xmlns:p="http://schemas.openxmlformats.org/presentationml/2006/main">
-  <p:cSld>
-    <p:spTree>
-      <p:nvGrpSpPr>
-        <p:cNvPr id="1" name=""/>
-        <p:cNvGrpSpPr/>
-        <p:nvPr/>
-      </p:nvGrpSpPr>
-      <p:grpSpPr>
-        <a:xfrm>
-          <a:off x="0" y="0"/>
-          <a:ext cx="0" cy="0"/>
-          <a:chOff x="0" y="0"/>
-          <a:chExt cx="0" cy="0"/>
-        </a:xfrm>
-      </p:grpSpPr>
-      <p:sp>
-        <p:nvSpPr>
-          <p:cNvPr id="2" name="Title 1">
-            <a:extLst>
-              <a:ext uri="{FF2B5EF4-FFF2-40B4-BE49-F238E27FC236}">
-                <a16:creationId xmlns:a16="http://schemas.microsoft.com/office/drawing/2014/main" id="{463B6540-0012-0366-AEB6-C3B27032E9B1}"/>
-              </a:ext>
-            </a:extLst>
-          </p:cNvPr>
-          <p:cNvSpPr>
-            <a:spLocks noGrp="1"/>
-          </p:cNvSpPr>
-          <p:nvPr>
-            <p:ph type="title"/>
-          </p:nvPr>
-        </p:nvSpPr>
-        <p:spPr/>
-        <p:txBody>
-          <a:bodyPr/>
-          <a:lstStyle/>
-          <a:p>
-            <a:r>
-              <a:rPr lang="es-ES" dirty="0"/>
-              <a:t>Modelo Entidad Relación propuesto:</a:t>
-            </a:r>
-            <a:endParaRPr lang="es-CO" dirty="0"/>
-          </a:p>
-        </p:txBody>
-      </p:sp>
-    </p:spTree>
-    <p:extLst>
-      <p:ext uri="{BB962C8B-B14F-4D97-AF65-F5344CB8AC3E}">
-        <p14:creationId xmlns:p14="http://schemas.microsoft.com/office/powerpoint/2010/main" val="2270590419"/>
+        <p14:creationId xmlns:p14="http://schemas.microsoft.com/office/powerpoint/2010/main" val="870528913"/>
       </p:ext>
     </p:extLst>
   </p:cSld>
@@ -7233,7 +7124,7 @@
 </p:sld>
 </file>
 
-<file path=ppt/slides/slide7.xml><?xml version="1.0" encoding="utf-8"?>
+<file path=ppt/slides/slide6.xml><?xml version="1.0" encoding="utf-8"?>
 <p:sld xmlns:a="http://schemas.openxmlformats.org/drawingml/2006/main" xmlns:r="http://schemas.openxmlformats.org/officeDocument/2006/relationships" xmlns:p="http://schemas.openxmlformats.org/presentationml/2006/main">
   <p:cSld>
     <p:spTree>
@@ -7361,6 +7252,65 @@
     <p:extLst>
       <p:ext uri="{BB962C8B-B14F-4D97-AF65-F5344CB8AC3E}">
         <p14:creationId xmlns:p14="http://schemas.microsoft.com/office/powerpoint/2010/main" val="3551120664"/>
+      </p:ext>
+    </p:extLst>
+  </p:cSld>
+  <p:clrMapOvr>
+    <a:masterClrMapping/>
+  </p:clrMapOvr>
+</p:sld>
+</file>
+
+<file path=ppt/slides/slide7.xml><?xml version="1.0" encoding="utf-8"?>
+<p:sld xmlns:a="http://schemas.openxmlformats.org/drawingml/2006/main" xmlns:r="http://schemas.openxmlformats.org/officeDocument/2006/relationships" xmlns:p="http://schemas.openxmlformats.org/presentationml/2006/main">
+  <p:cSld>
+    <p:spTree>
+      <p:nvGrpSpPr>
+        <p:cNvPr id="1" name=""/>
+        <p:cNvGrpSpPr/>
+        <p:nvPr/>
+      </p:nvGrpSpPr>
+      <p:grpSpPr>
+        <a:xfrm>
+          <a:off x="0" y="0"/>
+          <a:ext cx="0" cy="0"/>
+          <a:chOff x="0" y="0"/>
+          <a:chExt cx="0" cy="0"/>
+        </a:xfrm>
+      </p:grpSpPr>
+      <p:sp>
+        <p:nvSpPr>
+          <p:cNvPr id="2" name="Title 1">
+            <a:extLst>
+              <a:ext uri="{FF2B5EF4-FFF2-40B4-BE49-F238E27FC236}">
+                <a16:creationId xmlns:a16="http://schemas.microsoft.com/office/drawing/2014/main" id="{463B6540-0012-0366-AEB6-C3B27032E9B1}"/>
+              </a:ext>
+            </a:extLst>
+          </p:cNvPr>
+          <p:cNvSpPr>
+            <a:spLocks noGrp="1"/>
+          </p:cNvSpPr>
+          <p:nvPr>
+            <p:ph type="title"/>
+          </p:nvPr>
+        </p:nvSpPr>
+        <p:spPr/>
+        <p:txBody>
+          <a:bodyPr/>
+          <a:lstStyle/>
+          <a:p>
+            <a:r>
+              <a:rPr lang="es-ES" dirty="0"/>
+              <a:t>Modelo Entidad Relación propuesto:</a:t>
+            </a:r>
+            <a:endParaRPr lang="es-CO" dirty="0"/>
+          </a:p>
+        </p:txBody>
+      </p:sp>
+    </p:spTree>
+    <p:extLst>
+      <p:ext uri="{BB962C8B-B14F-4D97-AF65-F5344CB8AC3E}">
+        <p14:creationId xmlns:p14="http://schemas.microsoft.com/office/powerpoint/2010/main" val="2270590419"/>
       </p:ext>
     </p:extLst>
   </p:cSld>

--- a/presentacion/Agendados.pptx
+++ b/presentacion/Agendados.pptx
@@ -5898,7 +5898,7 @@
         </p:blipFill>
         <p:spPr>
           <a:xfrm>
-            <a:off x="882373" y="-114300"/>
+            <a:off x="842241" y="-114300"/>
             <a:ext cx="3543300" cy="3543300"/>
           </a:xfrm>
           <a:prstGeom prst="rect">
@@ -6930,7 +6930,15 @@
             </a:r>
             <a:r>
               <a:rPr lang="es-ES" dirty="0"/>
-              <a:t> para el modelado relacional.</a:t>
+              <a:t> para la </a:t>
+            </a:r>
+            <a:r>
+              <a:rPr lang="es-ES" dirty="0" err="1"/>
+              <a:t>creacion</a:t>
+            </a:r>
+            <a:r>
+              <a:rPr lang="es-ES" dirty="0"/>
+              <a:t> modelado relacional.</a:t>
             </a:r>
           </a:p>
           <a:p>
@@ -6947,7 +6955,11 @@
               <a:buNone/>
             </a:pPr>
             <a:r>
-              <a:rPr lang="es-ES" dirty="0"/>
+              <a:rPr lang="es-ES" dirty="0">
+                <a:solidFill>
+                  <a:srgbClr val="FF0000"/>
+                </a:solidFill>
+              </a:rPr>
               <a:t>Gestión de profesores, estudiantes, grupos y materias.</a:t>
             </a:r>
           </a:p>
@@ -7214,7 +7226,7 @@
         </p:nvSpPr>
         <p:spPr>
           <a:xfrm>
-            <a:off x="6938536" y="2650837"/>
+            <a:off x="6927385" y="2293998"/>
             <a:ext cx="2898191" cy="2456872"/>
           </a:xfrm>
           <a:prstGeom prst="rect">
@@ -7294,7 +7306,12 @@
             <p:ph type="title"/>
           </p:nvPr>
         </p:nvSpPr>
-        <p:spPr/>
+        <p:spPr>
+          <a:xfrm>
+            <a:off x="598312" y="203200"/>
+            <a:ext cx="8596668" cy="889620"/>
+          </a:xfrm>
+        </p:spPr>
         <p:txBody>
           <a:bodyPr/>
           <a:lstStyle/>
@@ -7304,6 +7321,47 @@
               <a:t>Modelo Entidad Relación propuesto:</a:t>
             </a:r>
             <a:endParaRPr lang="es-CO" dirty="0"/>
+          </a:p>
+        </p:txBody>
+      </p:sp>
+      <p:sp>
+        <p:nvSpPr>
+          <p:cNvPr id="6" name="CuadroTexto 5">
+            <a:extLst>
+              <a:ext uri="{FF2B5EF4-FFF2-40B4-BE49-F238E27FC236}">
+                <a16:creationId xmlns:a16="http://schemas.microsoft.com/office/drawing/2014/main" id="{C6F297CA-9A6D-4064-D7EA-7B2289988851}"/>
+              </a:ext>
+            </a:extLst>
+          </p:cNvPr>
+          <p:cNvSpPr txBox="1"/>
+          <p:nvPr/>
+        </p:nvSpPr>
+        <p:spPr>
+          <a:xfrm>
+            <a:off x="598312" y="1416205"/>
+            <a:ext cx="8757526" cy="646331"/>
+          </a:xfrm>
+          <a:prstGeom prst="rect">
+            <a:avLst/>
+          </a:prstGeom>
+          <a:noFill/>
+        </p:spPr>
+        <p:txBody>
+          <a:bodyPr wrap="none" rtlCol="0">
+            <a:spAutoFit/>
+          </a:bodyPr>
+          <a:lstStyle/>
+          <a:p>
+            <a:r>
+              <a:rPr lang="es-CO" dirty="0"/>
+              <a:t>El modelo ER se realizo en la aplicación DIA, este se adjuntara con la presentación</a:t>
+            </a:r>
+          </a:p>
+          <a:p>
+            <a:r>
+              <a:rPr lang="es-CO" dirty="0"/>
+              <a:t>Con el nombre de “Diagrama Agendados”</a:t>
+            </a:r>
           </a:p>
         </p:txBody>
       </p:sp>

--- a/presentacion/Agendados.pptx
+++ b/presentacion/Agendados.pptx
@@ -852,7 +852,7 @@
           <a:p>
             <a:fld id="{DF7915FD-CB15-468A-A937-895BBA11D09F}" type="datetimeFigureOut">
               <a:rPr lang="es-CO" smtClean="0"/>
-              <a:t>30/03/2025</a:t>
+              <a:t>5/06/2025</a:t>
             </a:fld>
             <a:endParaRPr lang="es-CO"/>
           </a:p>
@@ -894,7 +894,7 @@
           <a:p>
             <a:fld id="{D5778B1D-7479-48F2-A3D2-D4DDFB5AE135}" type="slidenum">
               <a:rPr lang="es-CO" smtClean="0"/>
-              <a:t>‹#›</a:t>
+              <a:t>‹Nº›</a:t>
             </a:fld>
             <a:endParaRPr lang="es-CO"/>
           </a:p>
@@ -1102,7 +1102,7 @@
           <a:p>
             <a:fld id="{DF7915FD-CB15-468A-A937-895BBA11D09F}" type="datetimeFigureOut">
               <a:rPr lang="es-CO" smtClean="0"/>
-              <a:t>30/03/2025</a:t>
+              <a:t>5/06/2025</a:t>
             </a:fld>
             <a:endParaRPr lang="es-CO"/>
           </a:p>
@@ -1144,7 +1144,7 @@
           <a:p>
             <a:fld id="{D5778B1D-7479-48F2-A3D2-D4DDFB5AE135}" type="slidenum">
               <a:rPr lang="es-CO" smtClean="0"/>
-              <a:t>‹#›</a:t>
+              <a:t>‹Nº›</a:t>
             </a:fld>
             <a:endParaRPr lang="es-CO"/>
           </a:p>
@@ -1415,7 +1415,7 @@
           <a:p>
             <a:fld id="{DF7915FD-CB15-468A-A937-895BBA11D09F}" type="datetimeFigureOut">
               <a:rPr lang="es-CO" smtClean="0"/>
-              <a:t>30/03/2025</a:t>
+              <a:t>5/06/2025</a:t>
             </a:fld>
             <a:endParaRPr lang="es-CO"/>
           </a:p>
@@ -1457,7 +1457,7 @@
           <a:p>
             <a:fld id="{D5778B1D-7479-48F2-A3D2-D4DDFB5AE135}" type="slidenum">
               <a:rPr lang="es-CO" smtClean="0"/>
-              <a:t>‹#›</a:t>
+              <a:t>‹Nº›</a:t>
             </a:fld>
             <a:endParaRPr lang="es-CO"/>
           </a:p>
@@ -1755,7 +1755,7 @@
           <a:p>
             <a:fld id="{DF7915FD-CB15-468A-A937-895BBA11D09F}" type="datetimeFigureOut">
               <a:rPr lang="es-CO" smtClean="0"/>
-              <a:t>30/03/2025</a:t>
+              <a:t>5/06/2025</a:t>
             </a:fld>
             <a:endParaRPr lang="es-CO"/>
           </a:p>
@@ -1797,7 +1797,7 @@
           <a:p>
             <a:fld id="{D5778B1D-7479-48F2-A3D2-D4DDFB5AE135}" type="slidenum">
               <a:rPr lang="es-CO" smtClean="0"/>
-              <a:t>‹#›</a:t>
+              <a:t>‹Nº›</a:t>
             </a:fld>
             <a:endParaRPr lang="es-CO"/>
           </a:p>
@@ -2068,7 +2068,7 @@
           <a:p>
             <a:fld id="{DF7915FD-CB15-468A-A937-895BBA11D09F}" type="datetimeFigureOut">
               <a:rPr lang="es-CO" smtClean="0"/>
-              <a:t>30/03/2025</a:t>
+              <a:t>5/06/2025</a:t>
             </a:fld>
             <a:endParaRPr lang="es-CO"/>
           </a:p>
@@ -2110,7 +2110,7 @@
           <a:p>
             <a:fld id="{D5778B1D-7479-48F2-A3D2-D4DDFB5AE135}" type="slidenum">
               <a:rPr lang="es-CO" smtClean="0"/>
-              <a:t>‹#›</a:t>
+              <a:t>‹Nº›</a:t>
             </a:fld>
             <a:endParaRPr lang="es-CO"/>
           </a:p>
@@ -2460,7 +2460,7 @@
           <a:p>
             <a:fld id="{DF7915FD-CB15-468A-A937-895BBA11D09F}" type="datetimeFigureOut">
               <a:rPr lang="es-CO" smtClean="0"/>
-              <a:t>30/03/2025</a:t>
+              <a:t>5/06/2025</a:t>
             </a:fld>
             <a:endParaRPr lang="es-CO"/>
           </a:p>
@@ -2502,7 +2502,7 @@
           <a:p>
             <a:fld id="{D5778B1D-7479-48F2-A3D2-D4DDFB5AE135}" type="slidenum">
               <a:rPr lang="es-CO" smtClean="0"/>
-              <a:t>‹#›</a:t>
+              <a:t>‹Nº›</a:t>
             </a:fld>
             <a:endParaRPr lang="es-CO"/>
           </a:p>
@@ -2628,7 +2628,7 @@
           <a:p>
             <a:fld id="{DF7915FD-CB15-468A-A937-895BBA11D09F}" type="datetimeFigureOut">
               <a:rPr lang="es-CO" smtClean="0"/>
-              <a:t>30/03/2025</a:t>
+              <a:t>5/06/2025</a:t>
             </a:fld>
             <a:endParaRPr lang="es-CO"/>
           </a:p>
@@ -2670,7 +2670,7 @@
           <a:p>
             <a:fld id="{D5778B1D-7479-48F2-A3D2-D4DDFB5AE135}" type="slidenum">
               <a:rPr lang="es-CO" smtClean="0"/>
-              <a:t>‹#›</a:t>
+              <a:t>‹Nº›</a:t>
             </a:fld>
             <a:endParaRPr lang="es-CO"/>
           </a:p>
@@ -2806,7 +2806,7 @@
           <a:p>
             <a:fld id="{DF7915FD-CB15-468A-A937-895BBA11D09F}" type="datetimeFigureOut">
               <a:rPr lang="es-CO" smtClean="0"/>
-              <a:t>30/03/2025</a:t>
+              <a:t>5/06/2025</a:t>
             </a:fld>
             <a:endParaRPr lang="es-CO"/>
           </a:p>
@@ -2848,7 +2848,7 @@
           <a:p>
             <a:fld id="{D5778B1D-7479-48F2-A3D2-D4DDFB5AE135}" type="slidenum">
               <a:rPr lang="es-CO" smtClean="0"/>
-              <a:t>‹#›</a:t>
+              <a:t>‹Nº›</a:t>
             </a:fld>
             <a:endParaRPr lang="es-CO"/>
           </a:p>
@@ -2980,7 +2980,7 @@
           <a:p>
             <a:fld id="{DF7915FD-CB15-468A-A937-895BBA11D09F}" type="datetimeFigureOut">
               <a:rPr lang="es-CO" smtClean="0"/>
-              <a:t>30/03/2025</a:t>
+              <a:t>5/06/2025</a:t>
             </a:fld>
             <a:endParaRPr lang="es-CO"/>
           </a:p>
@@ -3022,7 +3022,7 @@
           <a:p>
             <a:fld id="{D5778B1D-7479-48F2-A3D2-D4DDFB5AE135}" type="slidenum">
               <a:rPr lang="es-CO" smtClean="0"/>
-              <a:t>‹#›</a:t>
+              <a:t>‹Nº›</a:t>
             </a:fld>
             <a:endParaRPr lang="es-CO"/>
           </a:p>
@@ -3226,7 +3226,7 @@
           <a:p>
             <a:fld id="{DF7915FD-CB15-468A-A937-895BBA11D09F}" type="datetimeFigureOut">
               <a:rPr lang="es-CO" smtClean="0"/>
-              <a:t>30/03/2025</a:t>
+              <a:t>5/06/2025</a:t>
             </a:fld>
             <a:endParaRPr lang="es-CO"/>
           </a:p>
@@ -3268,7 +3268,7 @@
           <a:p>
             <a:fld id="{D5778B1D-7479-48F2-A3D2-D4DDFB5AE135}" type="slidenum">
               <a:rPr lang="es-CO" smtClean="0"/>
-              <a:t>‹#›</a:t>
+              <a:t>‹Nº›</a:t>
             </a:fld>
             <a:endParaRPr lang="es-CO"/>
           </a:p>
@@ -3455,7 +3455,7 @@
           <a:p>
             <a:fld id="{DF7915FD-CB15-468A-A937-895BBA11D09F}" type="datetimeFigureOut">
               <a:rPr lang="es-CO" smtClean="0"/>
-              <a:t>30/03/2025</a:t>
+              <a:t>5/06/2025</a:t>
             </a:fld>
             <a:endParaRPr lang="es-CO"/>
           </a:p>
@@ -3497,7 +3497,7 @@
           <a:p>
             <a:fld id="{D5778B1D-7479-48F2-A3D2-D4DDFB5AE135}" type="slidenum">
               <a:rPr lang="es-CO" smtClean="0"/>
-              <a:t>‹#›</a:t>
+              <a:t>‹Nº›</a:t>
             </a:fld>
             <a:endParaRPr lang="es-CO"/>
           </a:p>
@@ -3826,7 +3826,7 @@
           <a:p>
             <a:fld id="{DF7915FD-CB15-468A-A937-895BBA11D09F}" type="datetimeFigureOut">
               <a:rPr lang="es-CO" smtClean="0"/>
-              <a:t>30/03/2025</a:t>
+              <a:t>5/06/2025</a:t>
             </a:fld>
             <a:endParaRPr lang="es-CO"/>
           </a:p>
@@ -3868,7 +3868,7 @@
           <a:p>
             <a:fld id="{D5778B1D-7479-48F2-A3D2-D4DDFB5AE135}" type="slidenum">
               <a:rPr lang="es-CO" smtClean="0"/>
-              <a:t>‹#›</a:t>
+              <a:t>‹Nº›</a:t>
             </a:fld>
             <a:endParaRPr lang="es-CO"/>
           </a:p>
@@ -3948,7 +3948,7 @@
           <a:p>
             <a:fld id="{DF7915FD-CB15-468A-A937-895BBA11D09F}" type="datetimeFigureOut">
               <a:rPr lang="es-CO" smtClean="0"/>
-              <a:t>30/03/2025</a:t>
+              <a:t>5/06/2025</a:t>
             </a:fld>
             <a:endParaRPr lang="es-CO"/>
           </a:p>
@@ -3990,7 +3990,7 @@
           <a:p>
             <a:fld id="{D5778B1D-7479-48F2-A3D2-D4DDFB5AE135}" type="slidenum">
               <a:rPr lang="es-CO" smtClean="0"/>
-              <a:t>‹#›</a:t>
+              <a:t>‹Nº›</a:t>
             </a:fld>
             <a:endParaRPr lang="es-CO"/>
           </a:p>
@@ -4043,7 +4043,7 @@
           <a:p>
             <a:fld id="{DF7915FD-CB15-468A-A937-895BBA11D09F}" type="datetimeFigureOut">
               <a:rPr lang="es-CO" smtClean="0"/>
-              <a:t>30/03/2025</a:t>
+              <a:t>5/06/2025</a:t>
             </a:fld>
             <a:endParaRPr lang="es-CO"/>
           </a:p>
@@ -4085,7 +4085,7 @@
           <a:p>
             <a:fld id="{D5778B1D-7479-48F2-A3D2-D4DDFB5AE135}" type="slidenum">
               <a:rPr lang="es-CO" smtClean="0"/>
-              <a:t>‹#›</a:t>
+              <a:t>‹Nº›</a:t>
             </a:fld>
             <a:endParaRPr lang="es-CO"/>
           </a:p>
@@ -4296,7 +4296,7 @@
           <a:p>
             <a:fld id="{DF7915FD-CB15-468A-A937-895BBA11D09F}" type="datetimeFigureOut">
               <a:rPr lang="es-CO" smtClean="0"/>
-              <a:t>30/03/2025</a:t>
+              <a:t>5/06/2025</a:t>
             </a:fld>
             <a:endParaRPr lang="es-CO"/>
           </a:p>
@@ -4338,7 +4338,7 @@
           <a:p>
             <a:fld id="{D5778B1D-7479-48F2-A3D2-D4DDFB5AE135}" type="slidenum">
               <a:rPr lang="es-CO" smtClean="0"/>
-              <a:t>‹#›</a:t>
+              <a:t>‹Nº›</a:t>
             </a:fld>
             <a:endParaRPr lang="es-CO"/>
           </a:p>
@@ -4557,7 +4557,7 @@
           <a:p>
             <a:fld id="{DF7915FD-CB15-468A-A937-895BBA11D09F}" type="datetimeFigureOut">
               <a:rPr lang="es-CO" smtClean="0"/>
-              <a:t>30/03/2025</a:t>
+              <a:t>5/06/2025</a:t>
             </a:fld>
             <a:endParaRPr lang="es-CO"/>
           </a:p>
@@ -4599,7 +4599,7 @@
           <a:p>
             <a:fld id="{D5778B1D-7479-48F2-A3D2-D4DDFB5AE135}" type="slidenum">
               <a:rPr lang="es-CO" smtClean="0"/>
-              <a:t>‹#›</a:t>
+              <a:t>‹Nº›</a:t>
             </a:fld>
             <a:endParaRPr lang="es-CO"/>
           </a:p>
@@ -5298,7 +5298,7 @@
           <a:p>
             <a:fld id="{DF7915FD-CB15-468A-A937-895BBA11D09F}" type="datetimeFigureOut">
               <a:rPr lang="es-CO" smtClean="0"/>
-              <a:t>30/03/2025</a:t>
+              <a:t>5/06/2025</a:t>
             </a:fld>
             <a:endParaRPr lang="es-CO"/>
           </a:p>
@@ -5374,7 +5374,7 @@
           <a:p>
             <a:fld id="{D5778B1D-7479-48F2-A3D2-D4DDFB5AE135}" type="slidenum">
               <a:rPr lang="es-CO" smtClean="0"/>
-              <a:t>‹#›</a:t>
+              <a:t>‹Nº›</a:t>
             </a:fld>
             <a:endParaRPr lang="es-CO"/>
           </a:p>
@@ -5885,7 +5885,7 @@
           <a:lstStyle/>
           <a:p>
             <a:r>
-              <a:rPr lang="es-ES" b="1"/>
+              <a:rPr lang="es-ES" b="1" dirty="0"/>
               <a:t>Autores:</a:t>
             </a:r>
           </a:p>
@@ -5895,7 +5895,7 @@
               <a:buChar char="•"/>
             </a:pPr>
             <a:r>
-              <a:rPr lang="es-ES"/>
+              <a:rPr lang="es-ES" dirty="0"/>
               <a:t>Sergio David Ortiz Hernández</a:t>
             </a:r>
           </a:p>
@@ -5905,26 +5905,26 @@
               <a:buChar char="•"/>
             </a:pPr>
             <a:r>
-              <a:rPr lang="es-ES"/>
+              <a:rPr lang="es-ES" dirty="0"/>
               <a:t>David Alejandro Sandoval Rojas</a:t>
             </a:r>
           </a:p>
           <a:p>
-            <a:endParaRPr lang="es-ES"/>
-          </a:p>
-          <a:p>
-            <a:r>
-              <a:rPr lang="es-ES" b="1"/>
+            <a:endParaRPr lang="es-ES" dirty="0"/>
+          </a:p>
+          <a:p>
+            <a:r>
+              <a:rPr lang="es-ES" b="1" dirty="0"/>
               <a:t>Fecha de presentación:</a:t>
             </a:r>
             <a:br>
-              <a:rPr lang="es-ES"/>
+              <a:rPr lang="es-ES" dirty="0"/>
             </a:br>
             <a:r>
-              <a:rPr lang="es-ES"/>
-              <a:t>30/03/2025</a:t>
-            </a:r>
-            <a:endParaRPr lang="es-CO"/>
+              <a:rPr lang="es-ES" dirty="0"/>
+              <a:t>5/06/2025</a:t>
+            </a:r>
+            <a:endParaRPr lang="es-CO" dirty="0"/>
           </a:p>
         </p:txBody>
       </p:sp>
@@ -7094,7 +7094,7 @@
               <a:buNone/>
             </a:pPr>
             <a:r>
-              <a:rPr lang="es-ES" b="1"/>
+              <a:rPr lang="es-ES" b="1" dirty="0"/>
               <a:t>Funcionales</a:t>
             </a:r>
           </a:p>
@@ -7104,7 +7104,7 @@
               <a:buChar char="•"/>
             </a:pPr>
             <a:r>
-              <a:rPr lang="es-ES"/>
+              <a:rPr lang="es-ES" dirty="0"/>
               <a:t>Registrar y administrar estudiantes, profesores, aulas y materias.</a:t>
             </a:r>
           </a:p>
@@ -7114,7 +7114,7 @@
               <a:buChar char="•"/>
             </a:pPr>
             <a:r>
-              <a:rPr lang="es-ES"/>
+              <a:rPr lang="es-ES" dirty="0"/>
               <a:t>Generar horarios basados en restricciones y disponibilidad. </a:t>
             </a:r>
           </a:p>
@@ -7124,8 +7124,8 @@
               <a:buChar char="•"/>
             </a:pPr>
             <a:r>
-              <a:rPr lang="es-ES"/>
-              <a:t>Visualizar horarios por usuario(profesor/estudiante) y exportarlos.</a:t>
+              <a:rPr lang="es-ES" dirty="0"/>
+              <a:t>Visualizar horarios por usuario(profesor/estudiante/aula) y exportarlos.</a:t>
             </a:r>
           </a:p>
           <a:p>
@@ -7133,7 +7133,7 @@
               <a:buNone/>
             </a:pPr>
             <a:r>
-              <a:rPr lang="es-ES" b="1"/>
+              <a:rPr lang="es-ES" b="1" dirty="0"/>
               <a:t>No funcionales</a:t>
             </a:r>
           </a:p>
@@ -7143,7 +7143,7 @@
               <a:buChar char="•"/>
             </a:pPr>
             <a:r>
-              <a:rPr lang="es-ES"/>
+              <a:rPr lang="es-ES" dirty="0"/>
               <a:t>Interfaz fácil de usar.</a:t>
             </a:r>
           </a:p>
@@ -7153,7 +7153,7 @@
               <a:buChar char="•"/>
             </a:pPr>
             <a:r>
-              <a:rPr lang="es-ES"/>
+              <a:rPr lang="es-ES" dirty="0"/>
               <a:t>Eficiencia en la generación de horarios.</a:t>
             </a:r>
           </a:p>
@@ -7218,36 +7218,6 @@
           </a:p>
         </p:txBody>
       </p:sp>
-      <p:pic>
-        <p:nvPicPr>
-          <p:cNvPr id="5" name="Picture 4">
-            <a:extLst>
-              <a:ext uri="{FF2B5EF4-FFF2-40B4-BE49-F238E27FC236}">
-                <a16:creationId xmlns:a16="http://schemas.microsoft.com/office/drawing/2014/main" id="{D7250549-D81E-DC05-74DD-2F8795BDF831}"/>
-              </a:ext>
-            </a:extLst>
-          </p:cNvPr>
-          <p:cNvPicPr>
-            <a:picLocks noChangeAspect="1"/>
-          </p:cNvPicPr>
-          <p:nvPr/>
-        </p:nvPicPr>
-        <p:blipFill>
-          <a:blip r:embed="rId2"/>
-          <a:stretch>
-            <a:fillRect/>
-          </a:stretch>
-        </p:blipFill>
-        <p:spPr>
-          <a:xfrm>
-            <a:off x="677334" y="1336401"/>
-            <a:ext cx="6085711" cy="5137550"/>
-          </a:xfrm>
-          <a:prstGeom prst="rect">
-            <a:avLst/>
-          </a:prstGeom>
-        </p:spPr>
-      </p:pic>
       <p:sp>
         <p:nvSpPr>
           <p:cNvPr id="6" name="TextBox 5">
@@ -7280,7 +7250,7 @@
               <a:buNone/>
             </a:pPr>
             <a:r>
-              <a:rPr lang="es-ES" b="1"/>
+              <a:rPr lang="es-ES" b="1" dirty="0"/>
               <a:t>Objetivo:</a:t>
             </a:r>
           </a:p>
@@ -7289,13 +7259,49 @@
               <a:buNone/>
             </a:pPr>
             <a:r>
-              <a:rPr lang="es-ES"/>
+              <a:rPr lang="es-ES" dirty="0"/>
               <a:t>Diseñar una base de datos estructurada que permita estructurar muestro modelo y definir sus relaciones.</a:t>
             </a:r>
-            <a:endParaRPr lang="es-CO"/>
-          </a:p>
-        </p:txBody>
-      </p:sp>
+            <a:endParaRPr lang="es-CO" dirty="0"/>
+          </a:p>
+        </p:txBody>
+      </p:sp>
+      <p:pic>
+        <p:nvPicPr>
+          <p:cNvPr id="8" name="Imagen 7">
+            <a:extLst>
+              <a:ext uri="{FF2B5EF4-FFF2-40B4-BE49-F238E27FC236}">
+                <a16:creationId xmlns:a16="http://schemas.microsoft.com/office/drawing/2014/main" id="{BB20F204-CED2-2AFA-4C28-AE85FAC15873}"/>
+              </a:ext>
+            </a:extLst>
+          </p:cNvPr>
+          <p:cNvPicPr>
+            <a:picLocks noChangeAspect="1"/>
+          </p:cNvPicPr>
+          <p:nvPr/>
+        </p:nvPicPr>
+        <p:blipFill>
+          <a:blip r:embed="rId2">
+            <a:extLst>
+              <a:ext uri="{28A0092B-C50C-407E-A947-70E740481C1C}">
+                <a14:useLocalDpi xmlns:a14="http://schemas.microsoft.com/office/drawing/2010/main" val="0"/>
+              </a:ext>
+            </a:extLst>
+          </a:blip>
+          <a:stretch>
+            <a:fillRect/>
+          </a:stretch>
+        </p:blipFill>
+        <p:spPr>
+          <a:xfrm>
+            <a:off x="400002" y="1270000"/>
+            <a:ext cx="6538534" cy="5325199"/>
+          </a:xfrm>
+          <a:prstGeom prst="rect">
+            <a:avLst/>
+          </a:prstGeom>
+        </p:spPr>
+      </p:pic>
     </p:spTree>
     <p:extLst>
       <p:ext uri="{BB962C8B-B14F-4D97-AF65-F5344CB8AC3E}">
